--- a/Session3/ppt/[TA3-2] Numpy & Pandas.pptx
+++ b/Session3/ppt/[TA3-2] Numpy & Pandas.pptx
@@ -161,7 +161,7 @@
   </p:defaultTextStyle>
   <p:extLst>
     <p:ext uri="{EFAFB233-063F-42B5-8137-9DF3F51BA10A}">
-      <p15:sldGuideLst xmlns:p15="http://schemas.microsoft.com/office/powerpoint/2012/main" xmlns="">
+      <p15:sldGuideLst xmlns:p15="http://schemas.microsoft.com/office/powerpoint/2012/main">
         <p15:guide id="1" orient="horz" pos="2160">
           <p15:clr>
             <a:srgbClr val="A4A3A4"/>
@@ -260,7 +260,7 @@
           <a:p>
             <a:fld id="{7A6B77AA-7177-4D50-AB49-C260886B6169}" type="datetimeFigureOut">
               <a:rPr lang="ko-KR" altLang="en-US" smtClean="0"/>
-              <a:t>2017-07-11</a:t>
+              <a:t>2017-09-25</a:t>
             </a:fld>
             <a:endParaRPr lang="ko-KR" altLang="en-US"/>
           </a:p>
@@ -709,7 +709,7 @@
           <a:p>
             <a:fld id="{1179C0B5-9E42-4E82-BD73-9C37117B84AF}" type="datetimeFigureOut">
               <a:rPr lang="ko-KR" altLang="en-US" smtClean="0"/>
-              <a:t>2017-07-11</a:t>
+              <a:t>2017-09-25</a:t>
             </a:fld>
             <a:endParaRPr lang="ko-KR" altLang="en-US"/>
           </a:p>
@@ -879,7 +879,7 @@
           <a:p>
             <a:fld id="{1179C0B5-9E42-4E82-BD73-9C37117B84AF}" type="datetimeFigureOut">
               <a:rPr lang="ko-KR" altLang="en-US" smtClean="0"/>
-              <a:t>2017-07-11</a:t>
+              <a:t>2017-09-25</a:t>
             </a:fld>
             <a:endParaRPr lang="ko-KR" altLang="en-US"/>
           </a:p>
@@ -1059,7 +1059,7 @@
           <a:p>
             <a:fld id="{1179C0B5-9E42-4E82-BD73-9C37117B84AF}" type="datetimeFigureOut">
               <a:rPr lang="ko-KR" altLang="en-US" smtClean="0"/>
-              <a:t>2017-07-11</a:t>
+              <a:t>2017-09-25</a:t>
             </a:fld>
             <a:endParaRPr lang="ko-KR" altLang="en-US"/>
           </a:p>
@@ -1229,7 +1229,7 @@
           <a:p>
             <a:fld id="{1179C0B5-9E42-4E82-BD73-9C37117B84AF}" type="datetimeFigureOut">
               <a:rPr lang="ko-KR" altLang="en-US" smtClean="0"/>
-              <a:t>2017-07-11</a:t>
+              <a:t>2017-09-25</a:t>
             </a:fld>
             <a:endParaRPr lang="ko-KR" altLang="en-US"/>
           </a:p>
@@ -1475,7 +1475,7 @@
           <a:p>
             <a:fld id="{1179C0B5-9E42-4E82-BD73-9C37117B84AF}" type="datetimeFigureOut">
               <a:rPr lang="ko-KR" altLang="en-US" smtClean="0"/>
-              <a:t>2017-07-11</a:t>
+              <a:t>2017-09-25</a:t>
             </a:fld>
             <a:endParaRPr lang="ko-KR" altLang="en-US"/>
           </a:p>
@@ -1763,7 +1763,7 @@
           <a:p>
             <a:fld id="{1179C0B5-9E42-4E82-BD73-9C37117B84AF}" type="datetimeFigureOut">
               <a:rPr lang="ko-KR" altLang="en-US" smtClean="0"/>
-              <a:t>2017-07-11</a:t>
+              <a:t>2017-09-25</a:t>
             </a:fld>
             <a:endParaRPr lang="ko-KR" altLang="en-US"/>
           </a:p>
@@ -2185,7 +2185,7 @@
           <a:p>
             <a:fld id="{1179C0B5-9E42-4E82-BD73-9C37117B84AF}" type="datetimeFigureOut">
               <a:rPr lang="ko-KR" altLang="en-US" smtClean="0"/>
-              <a:t>2017-07-11</a:t>
+              <a:t>2017-09-25</a:t>
             </a:fld>
             <a:endParaRPr lang="ko-KR" altLang="en-US"/>
           </a:p>
@@ -2303,7 +2303,7 @@
           <a:p>
             <a:fld id="{1179C0B5-9E42-4E82-BD73-9C37117B84AF}" type="datetimeFigureOut">
               <a:rPr lang="ko-KR" altLang="en-US" smtClean="0"/>
-              <a:t>2017-07-11</a:t>
+              <a:t>2017-09-25</a:t>
             </a:fld>
             <a:endParaRPr lang="ko-KR" altLang="en-US"/>
           </a:p>
@@ -2398,7 +2398,7 @@
           <a:p>
             <a:fld id="{1179C0B5-9E42-4E82-BD73-9C37117B84AF}" type="datetimeFigureOut">
               <a:rPr lang="ko-KR" altLang="en-US" smtClean="0"/>
-              <a:t>2017-07-11</a:t>
+              <a:t>2017-09-25</a:t>
             </a:fld>
             <a:endParaRPr lang="ko-KR" altLang="en-US"/>
           </a:p>
@@ -2675,7 +2675,7 @@
           <a:p>
             <a:fld id="{1179C0B5-9E42-4E82-BD73-9C37117B84AF}" type="datetimeFigureOut">
               <a:rPr lang="ko-KR" altLang="en-US" smtClean="0"/>
-              <a:t>2017-07-11</a:t>
+              <a:t>2017-09-25</a:t>
             </a:fld>
             <a:endParaRPr lang="ko-KR" altLang="en-US"/>
           </a:p>
@@ -2928,7 +2928,7 @@
           <a:p>
             <a:fld id="{1179C0B5-9E42-4E82-BD73-9C37117B84AF}" type="datetimeFigureOut">
               <a:rPr lang="ko-KR" altLang="en-US" smtClean="0"/>
-              <a:t>2017-07-11</a:t>
+              <a:t>2017-09-25</a:t>
             </a:fld>
             <a:endParaRPr lang="ko-KR" altLang="en-US"/>
           </a:p>
@@ -3141,7 +3141,7 @@
           <a:p>
             <a:fld id="{1179C0B5-9E42-4E82-BD73-9C37117B84AF}" type="datetimeFigureOut">
               <a:rPr lang="ko-KR" altLang="en-US" smtClean="0"/>
-              <a:t>2017-07-11</a:t>
+              <a:t>2017-09-25</a:t>
             </a:fld>
             <a:endParaRPr lang="ko-KR" altLang="en-US"/>
           </a:p>
@@ -3704,76 +3704,6 @@
       </p:sp>
       <p:sp>
         <p:nvSpPr>
-          <p:cNvPr id="6" name="TextBox 5"/>
-          <p:cNvSpPr txBox="1"/>
-          <p:nvPr/>
-        </p:nvSpPr>
-        <p:spPr>
-          <a:xfrm>
-            <a:off x="854185" y="3510300"/>
-            <a:ext cx="1402948" cy="369332"/>
-          </a:xfrm>
-          <a:prstGeom prst="rect">
-            <a:avLst/>
-          </a:prstGeom>
-          <a:noFill/>
-        </p:spPr>
-        <p:txBody>
-          <a:bodyPr wrap="none" rtlCol="0">
-            <a:spAutoFit/>
-          </a:bodyPr>
-          <a:lstStyle/>
-          <a:p>
-            <a:r>
-              <a:rPr lang="ko-KR" altLang="en-US" dirty="0" smtClean="0">
-                <a:gradFill>
-                  <a:gsLst>
-                    <a:gs pos="0">
-                      <a:schemeClr val="tx1">
-                        <a:lumMod val="65000"/>
-                        <a:lumOff val="35000"/>
-                      </a:schemeClr>
-                    </a:gs>
-                    <a:gs pos="100000">
-                      <a:schemeClr val="tx1">
-                        <a:lumMod val="65000"/>
-                        <a:lumOff val="35000"/>
-                      </a:schemeClr>
-                    </a:gs>
-                  </a:gsLst>
-                  <a:lin ang="5400000" scaled="0"/>
-                </a:gradFill>
-                <a:latin typeface="Arial" pitchFamily="34" charset="0"/>
-                <a:cs typeface="Arial" pitchFamily="34" charset="0"/>
-              </a:rPr>
-              <a:t>박진수 교수</a:t>
-            </a:r>
-            <a:endParaRPr lang="ko-KR" altLang="en-US" dirty="0">
-              <a:gradFill>
-                <a:gsLst>
-                  <a:gs pos="0">
-                    <a:schemeClr val="tx1">
-                      <a:lumMod val="65000"/>
-                      <a:lumOff val="35000"/>
-                    </a:schemeClr>
-                  </a:gs>
-                  <a:gs pos="100000">
-                    <a:schemeClr val="tx1">
-                      <a:lumMod val="65000"/>
-                      <a:lumOff val="35000"/>
-                    </a:schemeClr>
-                  </a:gs>
-                </a:gsLst>
-                <a:lin ang="5400000" scaled="0"/>
-              </a:gradFill>
-              <a:latin typeface="Arial" pitchFamily="34" charset="0"/>
-              <a:cs typeface="Arial" pitchFamily="34" charset="0"/>
-            </a:endParaRPr>
-          </a:p>
-        </p:txBody>
-      </p:sp>
-      <p:sp>
-        <p:nvSpPr>
           <p:cNvPr id="7" name="TextBox 6"/>
           <p:cNvSpPr txBox="1"/>
           <p:nvPr/>
@@ -7958,55 +7888,7 @@
                 <a:latin typeface="Arial" pitchFamily="34" charset="0"/>
                 <a:cs typeface="Arial" pitchFamily="34" charset="0"/>
               </a:rPr>
-              <a:t> </a:t>
-            </a:r>
-            <a:r>
-              <a:rPr lang="ko-KR" altLang="en-US" sz="1400" dirty="0" smtClean="0">
-                <a:gradFill>
-                  <a:gsLst>
-                    <a:gs pos="0">
-                      <a:schemeClr val="tx1">
-                        <a:lumMod val="65000"/>
-                        <a:lumOff val="35000"/>
-                      </a:schemeClr>
-                    </a:gs>
-                    <a:gs pos="100000">
-                      <a:schemeClr val="tx1">
-                        <a:lumMod val="65000"/>
-                        <a:lumOff val="35000"/>
-                      </a:schemeClr>
-                    </a:gs>
-                  </a:gsLst>
-                  <a:lin ang="5400000" scaled="0"/>
-                </a:gradFill>
-                <a:latin typeface="Arial" pitchFamily="34" charset="0"/>
-                <a:cs typeface="Arial" pitchFamily="34" charset="0"/>
-              </a:rPr>
-              <a:t>및 문자열 데이터 </a:t>
-            </a:r>
-            <a:r>
-              <a:rPr lang="ko-KR" altLang="en-US" sz="1400" dirty="0" smtClean="0">
-                <a:gradFill>
-                  <a:gsLst>
-                    <a:gs pos="0">
-                      <a:schemeClr val="tx1">
-                        <a:lumMod val="65000"/>
-                        <a:lumOff val="35000"/>
-                      </a:schemeClr>
-                    </a:gs>
-                    <a:gs pos="100000">
-                      <a:schemeClr val="tx1">
-                        <a:lumMod val="65000"/>
-                        <a:lumOff val="35000"/>
-                      </a:schemeClr>
-                    </a:gs>
-                  </a:gsLst>
-                  <a:lin ang="5400000" scaled="0"/>
-                </a:gradFill>
-                <a:latin typeface="Arial" pitchFamily="34" charset="0"/>
-                <a:cs typeface="Arial" pitchFamily="34" charset="0"/>
-              </a:rPr>
-              <a:t>불러오기</a:t>
+              <a:t> 및 문자열 데이터 불러오기</a:t>
             </a:r>
             <a:endParaRPr lang="ko-KR" altLang="en-US" sz="1400" b="1" dirty="0">
               <a:gradFill>
@@ -13561,7 +13443,7 @@
                           <m:endChr m:val="]"/>
                           <m:ctrlPr>
                             <a:rPr lang="en-US" altLang="ko-KR" i="1" smtClean="0">
-                              <a:latin typeface="Cambria Math"/>
+                              <a:latin typeface="Cambria Math" panose="02040503050406030204" pitchFamily="18" charset="0"/>
                             </a:rPr>
                           </m:ctrlPr>
                         </m:dPr>
@@ -13578,7 +13460,7 @@
                               </m:mcs>
                               <m:ctrlPr>
                                 <a:rPr lang="en-US" altLang="ko-KR" i="1" smtClean="0">
-                                  <a:latin typeface="Cambria Math"/>
+                                  <a:latin typeface="Cambria Math" panose="02040503050406030204" pitchFamily="18" charset="0"/>
                                 </a:rPr>
                               </m:ctrlPr>
                             </m:mPr>
@@ -13596,7 +13478,7 @@
                                     </m:mcs>
                                     <m:ctrlPr>
                                       <a:rPr lang="en-US" altLang="ko-KR" i="1" smtClean="0">
-                                        <a:latin typeface="Cambria Math"/>
+                                        <a:latin typeface="Cambria Math" panose="02040503050406030204" pitchFamily="18" charset="0"/>
                                       </a:rPr>
                                     </m:ctrlPr>
                                   </m:mPr>
@@ -13646,7 +13528,7 @@
                                     </m:mcs>
                                     <m:ctrlPr>
                                       <a:rPr lang="en-US" altLang="ko-KR" i="1" smtClean="0">
-                                        <a:latin typeface="Cambria Math"/>
+                                        <a:latin typeface="Cambria Math" panose="02040503050406030204" pitchFamily="18" charset="0"/>
                                       </a:rPr>
                                     </m:ctrlPr>
                                   </m:mPr>
@@ -13697,7 +13579,7 @@
                           <m:endChr m:val="]"/>
                           <m:ctrlPr>
                             <a:rPr lang="en-US" altLang="ko-KR" b="0" i="1" smtClean="0">
-                              <a:latin typeface="Cambria Math"/>
+                              <a:latin typeface="Cambria Math" panose="02040503050406030204" pitchFamily="18" charset="0"/>
                             </a:rPr>
                           </m:ctrlPr>
                         </m:dPr>
@@ -13714,7 +13596,7 @@
                               </m:mcs>
                               <m:ctrlPr>
                                 <a:rPr lang="en-US" altLang="ko-KR" b="0" i="1" smtClean="0">
-                                  <a:latin typeface="Cambria Math"/>
+                                  <a:latin typeface="Cambria Math" panose="02040503050406030204" pitchFamily="18" charset="0"/>
                                 </a:rPr>
                               </m:ctrlPr>
                             </m:mPr>
@@ -13753,7 +13635,7 @@
                                     </m:mcs>
                                     <m:ctrlPr>
                                       <a:rPr lang="en-US" altLang="ko-KR" b="0" i="1" smtClean="0">
-                                        <a:latin typeface="Cambria Math"/>
+                                        <a:latin typeface="Cambria Math" panose="02040503050406030204" pitchFamily="18" charset="0"/>
                                       </a:rPr>
                                     </m:ctrlPr>
                                   </m:mPr>
@@ -13795,7 +13677,7 @@
                                     </m:mcs>
                                     <m:ctrlPr>
                                       <a:rPr lang="en-US" altLang="ko-KR" b="0" i="1" smtClean="0">
-                                        <a:latin typeface="Cambria Math"/>
+                                        <a:latin typeface="Cambria Math" panose="02040503050406030204" pitchFamily="18" charset="0"/>
                                       </a:rPr>
                                     </m:ctrlPr>
                                   </m:mPr>
@@ -32838,31 +32720,7 @@
                 <a:latin typeface="Arial" pitchFamily="34" charset="0"/>
                 <a:cs typeface="Arial" pitchFamily="34" charset="0"/>
               </a:rPr>
-              <a:t> </a:t>
-            </a:r>
-            <a:r>
-              <a:rPr lang="en-US" altLang="ko-KR" sz="1400" dirty="0" smtClean="0">
-                <a:gradFill>
-                  <a:gsLst>
-                    <a:gs pos="0">
-                      <a:schemeClr val="tx1">
-                        <a:lumMod val="65000"/>
-                        <a:lumOff val="35000"/>
-                      </a:schemeClr>
-                    </a:gs>
-                    <a:gs pos="100000">
-                      <a:schemeClr val="tx1">
-                        <a:lumMod val="65000"/>
-                        <a:lumOff val="35000"/>
-                      </a:schemeClr>
-                    </a:gs>
-                  </a:gsLst>
-                  <a:lin ang="5400000" scaled="0"/>
-                </a:gradFill>
-                <a:latin typeface="Arial" pitchFamily="34" charset="0"/>
-                <a:cs typeface="Arial" pitchFamily="34" charset="0"/>
-              </a:rPr>
-              <a:t>pandas</a:t>
+              <a:t> pandas</a:t>
             </a:r>
             <a:r>
               <a:rPr lang="ko-KR" altLang="en-US" sz="1400" dirty="0" smtClean="0">
@@ -33626,31 +33484,7 @@
                 <a:latin typeface="Arial" pitchFamily="34" charset="0"/>
                 <a:cs typeface="Arial" pitchFamily="34" charset="0"/>
               </a:rPr>
-              <a:t> </a:t>
-            </a:r>
-            <a:r>
-              <a:rPr lang="en-US" altLang="ko-KR" sz="1400" dirty="0" smtClean="0">
-                <a:gradFill>
-                  <a:gsLst>
-                    <a:gs pos="0">
-                      <a:schemeClr val="tx1">
-                        <a:lumMod val="65000"/>
-                        <a:lumOff val="35000"/>
-                      </a:schemeClr>
-                    </a:gs>
-                    <a:gs pos="100000">
-                      <a:schemeClr val="tx1">
-                        <a:lumMod val="65000"/>
-                        <a:lumOff val="35000"/>
-                      </a:schemeClr>
-                    </a:gs>
-                  </a:gsLst>
-                  <a:lin ang="5400000" scaled="0"/>
-                </a:gradFill>
-                <a:latin typeface="Arial" pitchFamily="34" charset="0"/>
-                <a:cs typeface="Arial" pitchFamily="34" charset="0"/>
-              </a:rPr>
-              <a:t>pandas</a:t>
+              <a:t> pandas</a:t>
             </a:r>
             <a:r>
               <a:rPr lang="ko-KR" altLang="en-US" sz="1400" dirty="0" smtClean="0">
@@ -33674,31 +33508,7 @@
                 <a:latin typeface="Arial" pitchFamily="34" charset="0"/>
                 <a:cs typeface="Arial" pitchFamily="34" charset="0"/>
               </a:rPr>
-              <a:t>에서</a:t>
-            </a:r>
-            <a:r>
-              <a:rPr lang="ko-KR" altLang="en-US" sz="1400" dirty="0" smtClean="0">
-                <a:gradFill>
-                  <a:gsLst>
-                    <a:gs pos="0">
-                      <a:schemeClr val="tx1">
-                        <a:lumMod val="65000"/>
-                        <a:lumOff val="35000"/>
-                      </a:schemeClr>
-                    </a:gs>
-                    <a:gs pos="100000">
-                      <a:schemeClr val="tx1">
-                        <a:lumMod val="65000"/>
-                        <a:lumOff val="35000"/>
-                      </a:schemeClr>
-                    </a:gs>
-                  </a:gsLst>
-                  <a:lin ang="5400000" scaled="0"/>
-                </a:gradFill>
-                <a:latin typeface="Arial" pitchFamily="34" charset="0"/>
-                <a:cs typeface="Arial" pitchFamily="34" charset="0"/>
-              </a:rPr>
-              <a:t>는 </a:t>
+              <a:t>에서는 </a:t>
             </a:r>
             <a:r>
               <a:rPr lang="en-US" altLang="ko-KR" sz="1400" dirty="0" smtClean="0">
@@ -34172,31 +33982,7 @@
                 <a:latin typeface="Arial" pitchFamily="34" charset="0"/>
                 <a:cs typeface="Arial" pitchFamily="34" charset="0"/>
               </a:rPr>
-              <a:t>read_</a:t>
-            </a:r>
-            <a:r>
-              <a:rPr lang="en-US" altLang="ko-KR" sz="1200" dirty="0" err="1" smtClean="0">
-                <a:gradFill>
-                  <a:gsLst>
-                    <a:gs pos="0">
-                      <a:schemeClr val="tx1">
-                        <a:lumMod val="65000"/>
-                        <a:lumOff val="35000"/>
-                      </a:schemeClr>
-                    </a:gs>
-                    <a:gs pos="100000">
-                      <a:schemeClr val="tx1">
-                        <a:lumMod val="65000"/>
-                        <a:lumOff val="35000"/>
-                      </a:schemeClr>
-                    </a:gs>
-                  </a:gsLst>
-                  <a:lin ang="5400000" scaled="0"/>
-                </a:gradFill>
-                <a:latin typeface="Arial" pitchFamily="34" charset="0"/>
-                <a:cs typeface="Arial" pitchFamily="34" charset="0"/>
-              </a:rPr>
-              <a:t>excel</a:t>
+              <a:t>read_excel</a:t>
             </a:r>
             <a:r>
               <a:rPr lang="en-US" altLang="ko-KR" sz="1200" dirty="0" smtClean="0">
@@ -34510,31 +34296,7 @@
                 <a:latin typeface="Arial" pitchFamily="34" charset="0"/>
                 <a:cs typeface="Arial" pitchFamily="34" charset="0"/>
               </a:rPr>
-              <a:t> </a:t>
-            </a:r>
-            <a:r>
-              <a:rPr lang="en-US" altLang="ko-KR" sz="1400" dirty="0" smtClean="0">
-                <a:gradFill>
-                  <a:gsLst>
-                    <a:gs pos="0">
-                      <a:schemeClr val="tx1">
-                        <a:lumMod val="65000"/>
-                        <a:lumOff val="35000"/>
-                      </a:schemeClr>
-                    </a:gs>
-                    <a:gs pos="100000">
-                      <a:schemeClr val="tx1">
-                        <a:lumMod val="65000"/>
-                        <a:lumOff val="35000"/>
-                      </a:schemeClr>
-                    </a:gs>
-                  </a:gsLst>
-                  <a:lin ang="5400000" scaled="0"/>
-                </a:gradFill>
-                <a:latin typeface="Arial" pitchFamily="34" charset="0"/>
-                <a:cs typeface="Arial" pitchFamily="34" charset="0"/>
-              </a:rPr>
-              <a:t>pandas</a:t>
+              <a:t> pandas</a:t>
             </a:r>
             <a:r>
               <a:rPr lang="ko-KR" altLang="en-US" sz="1400" dirty="0" smtClean="0">
@@ -35714,31 +35476,7 @@
                 <a:latin typeface="Arial" pitchFamily="34" charset="0"/>
                 <a:cs typeface="Arial" pitchFamily="34" charset="0"/>
               </a:rPr>
-              <a:t>- </a:t>
-            </a:r>
-            <a:r>
-              <a:rPr lang="en-US" altLang="ko-KR" sz="1200" dirty="0" smtClean="0">
-                <a:gradFill>
-                  <a:gsLst>
-                    <a:gs pos="0">
-                      <a:schemeClr val="tx1">
-                        <a:lumMod val="65000"/>
-                        <a:lumOff val="35000"/>
-                      </a:schemeClr>
-                    </a:gs>
-                    <a:gs pos="100000">
-                      <a:schemeClr val="tx1">
-                        <a:lumMod val="65000"/>
-                        <a:lumOff val="35000"/>
-                      </a:schemeClr>
-                    </a:gs>
-                  </a:gsLst>
-                  <a:lin ang="5400000" scaled="0"/>
-                </a:gradFill>
-                <a:latin typeface="Arial" pitchFamily="34" charset="0"/>
-                <a:cs typeface="Arial" pitchFamily="34" charset="0"/>
-              </a:rPr>
-              <a:t>Title, Artist, Length</a:t>
+              <a:t>- Title, Artist, Length</a:t>
             </a:r>
             <a:r>
               <a:rPr lang="ko-KR" altLang="en-US" sz="1200" dirty="0" smtClean="0">
@@ -35981,11 +35719,41 @@
                 <a:tableStyleId>{C083E6E3-FA7D-4D7B-A595-EF9225AFEA82}</a:tableStyleId>
               </a:tblPr>
               <a:tblGrid>
-                <a:gridCol w="792088"/>
-                <a:gridCol w="2117036"/>
-                <a:gridCol w="1454562"/>
-                <a:gridCol w="1454562"/>
-                <a:gridCol w="1454562"/>
+                <a:gridCol w="792088">
+                  <a:extLst>
+                    <a:ext uri="{9D8B030D-6E8A-4147-A177-3AD203B41FA5}">
+                      <a16:colId xmlns:a16="http://schemas.microsoft.com/office/drawing/2014/main" val="20000"/>
+                    </a:ext>
+                  </a:extLst>
+                </a:gridCol>
+                <a:gridCol w="2117036">
+                  <a:extLst>
+                    <a:ext uri="{9D8B030D-6E8A-4147-A177-3AD203B41FA5}">
+                      <a16:colId xmlns:a16="http://schemas.microsoft.com/office/drawing/2014/main" val="20001"/>
+                    </a:ext>
+                  </a:extLst>
+                </a:gridCol>
+                <a:gridCol w="1454562">
+                  <a:extLst>
+                    <a:ext uri="{9D8B030D-6E8A-4147-A177-3AD203B41FA5}">
+                      <a16:colId xmlns:a16="http://schemas.microsoft.com/office/drawing/2014/main" val="20002"/>
+                    </a:ext>
+                  </a:extLst>
+                </a:gridCol>
+                <a:gridCol w="1454562">
+                  <a:extLst>
+                    <a:ext uri="{9D8B030D-6E8A-4147-A177-3AD203B41FA5}">
+                      <a16:colId xmlns:a16="http://schemas.microsoft.com/office/drawing/2014/main" val="20003"/>
+                    </a:ext>
+                  </a:extLst>
+                </a:gridCol>
+                <a:gridCol w="1454562">
+                  <a:extLst>
+                    <a:ext uri="{9D8B030D-6E8A-4147-A177-3AD203B41FA5}">
+                      <a16:colId xmlns:a16="http://schemas.microsoft.com/office/drawing/2014/main" val="20004"/>
+                    </a:ext>
+                  </a:extLst>
+                </a:gridCol>
               </a:tblGrid>
               <a:tr h="408045">
                 <a:tc>
@@ -36273,6 +36041,11 @@
                   </a:txBody>
                   <a:tcPr anchor="ctr"/>
                 </a:tc>
+                <a:extLst>
+                  <a:ext uri="{0D108BD9-81ED-4DB2-BD59-A6C34878D82A}">
+                    <a16:rowId xmlns:a16="http://schemas.microsoft.com/office/drawing/2014/main" val="10000"/>
+                  </a:ext>
+                </a:extLst>
               </a:tr>
               <a:tr h="408045">
                 <a:tc>
@@ -36560,6 +36333,11 @@
                   </a:txBody>
                   <a:tcPr anchor="ctr"/>
                 </a:tc>
+                <a:extLst>
+                  <a:ext uri="{0D108BD9-81ED-4DB2-BD59-A6C34878D82A}">
+                    <a16:rowId xmlns:a16="http://schemas.microsoft.com/office/drawing/2014/main" val="10001"/>
+                  </a:ext>
+                </a:extLst>
               </a:tr>
               <a:tr h="408045">
                 <a:tc>
@@ -36847,6 +36625,11 @@
                   </a:txBody>
                   <a:tcPr anchor="ctr"/>
                 </a:tc>
+                <a:extLst>
+                  <a:ext uri="{0D108BD9-81ED-4DB2-BD59-A6C34878D82A}">
+                    <a16:rowId xmlns:a16="http://schemas.microsoft.com/office/drawing/2014/main" val="10002"/>
+                  </a:ext>
+                </a:extLst>
               </a:tr>
               <a:tr h="408045">
                 <a:tc>
@@ -37159,6 +36942,11 @@
                   </a:txBody>
                   <a:tcPr anchor="ctr"/>
                 </a:tc>
+                <a:extLst>
+                  <a:ext uri="{0D108BD9-81ED-4DB2-BD59-A6C34878D82A}">
+                    <a16:rowId xmlns:a16="http://schemas.microsoft.com/office/drawing/2014/main" val="10003"/>
+                  </a:ext>
+                </a:extLst>
               </a:tr>
               <a:tr h="408045">
                 <a:tc>
@@ -37471,6 +37259,11 @@
                   </a:txBody>
                   <a:tcPr anchor="ctr"/>
                 </a:tc>
+                <a:extLst>
+                  <a:ext uri="{0D108BD9-81ED-4DB2-BD59-A6C34878D82A}">
+                    <a16:rowId xmlns:a16="http://schemas.microsoft.com/office/drawing/2014/main" val="10004"/>
+                  </a:ext>
+                </a:extLst>
               </a:tr>
               <a:tr h="408045">
                 <a:tc>
@@ -37758,6 +37551,11 @@
                   </a:txBody>
                   <a:tcPr anchor="ctr"/>
                 </a:tc>
+                <a:extLst>
+                  <a:ext uri="{0D108BD9-81ED-4DB2-BD59-A6C34878D82A}">
+                    <a16:rowId xmlns:a16="http://schemas.microsoft.com/office/drawing/2014/main" val="10005"/>
+                  </a:ext>
+                </a:extLst>
               </a:tr>
             </a:tbl>
           </a:graphicData>
@@ -39173,31 +38971,7 @@
                 <a:latin typeface="Arial" pitchFamily="34" charset="0"/>
                 <a:cs typeface="Arial" pitchFamily="34" charset="0"/>
               </a:rPr>
-              <a:t>‘Title</a:t>
-            </a:r>
-            <a:r>
-              <a:rPr lang="en-US" altLang="ko-KR" sz="1400" dirty="0" smtClean="0">
-                <a:gradFill>
-                  <a:gsLst>
-                    <a:gs pos="0">
-                      <a:schemeClr val="tx1">
-                        <a:lumMod val="65000"/>
-                        <a:lumOff val="35000"/>
-                      </a:schemeClr>
-                    </a:gs>
-                    <a:gs pos="100000">
-                      <a:schemeClr val="tx1">
-                        <a:lumMod val="65000"/>
-                        <a:lumOff val="35000"/>
-                      </a:schemeClr>
-                    </a:gs>
-                  </a:gsLst>
-                  <a:lin ang="5400000" scaled="0"/>
-                </a:gradFill>
-                <a:latin typeface="Arial" pitchFamily="34" charset="0"/>
-                <a:cs typeface="Arial" pitchFamily="34" charset="0"/>
-              </a:rPr>
-              <a:t>’ </a:t>
+              <a:t>‘Title’ </a:t>
             </a:r>
             <a:r>
               <a:rPr lang="ko-KR" altLang="en-US" sz="1400" dirty="0" err="1" smtClean="0">
@@ -39812,25 +39586,7 @@
                 <a:latin typeface="Arial" pitchFamily="34" charset="0"/>
                 <a:cs typeface="Arial" pitchFamily="34" charset="0"/>
               </a:rPr>
-              <a:t>엑셀 데이터</a:t>
-            </a:r>
-            <a:r>
-              <a:rPr lang="ko-KR" altLang="en-US" sz="2400" b="1" dirty="0" smtClean="0">
-                <a:gradFill>
-                  <a:gsLst>
-                    <a:gs pos="0">
-                      <a:srgbClr val="339966"/>
-                    </a:gs>
-                    <a:gs pos="100000">
-                      <a:srgbClr val="339966"/>
-                    </a:gs>
-                  </a:gsLst>
-                  <a:lin ang="5400000" scaled="0"/>
-                </a:gradFill>
-                <a:latin typeface="Arial" pitchFamily="34" charset="0"/>
-                <a:cs typeface="Arial" pitchFamily="34" charset="0"/>
-              </a:rPr>
-              <a:t> 불러오기</a:t>
+              <a:t>엑셀 데이터 불러오기</a:t>
             </a:r>
             <a:endParaRPr lang="ko-KR" altLang="en-US" sz="2400" b="1" dirty="0">
               <a:gradFill>
@@ -39919,31 +39675,7 @@
                 <a:latin typeface="Arial" pitchFamily="34" charset="0"/>
                 <a:cs typeface="Arial" pitchFamily="34" charset="0"/>
               </a:rPr>
-              <a:t> </a:t>
-            </a:r>
-            <a:r>
-              <a:rPr lang="en-US" altLang="ko-KR" sz="1400" dirty="0" smtClean="0">
-                <a:gradFill>
-                  <a:gsLst>
-                    <a:gs pos="0">
-                      <a:schemeClr val="tx1">
-                        <a:lumMod val="65000"/>
-                        <a:lumOff val="35000"/>
-                      </a:schemeClr>
-                    </a:gs>
-                    <a:gs pos="100000">
-                      <a:schemeClr val="tx1">
-                        <a:lumMod val="65000"/>
-                        <a:lumOff val="35000"/>
-                      </a:schemeClr>
-                    </a:gs>
-                  </a:gsLst>
-                  <a:lin ang="5400000" scaled="0"/>
-                </a:gradFill>
-                <a:latin typeface="Arial" pitchFamily="34" charset="0"/>
-                <a:cs typeface="Arial" pitchFamily="34" charset="0"/>
-              </a:rPr>
-              <a:t>animals.xlsx </a:t>
+              <a:t> animals.xlsx </a:t>
             </a:r>
             <a:r>
               <a:rPr lang="ko-KR" altLang="en-US" sz="1400" dirty="0" smtClean="0">
@@ -39967,31 +39699,7 @@
                 <a:latin typeface="Arial" pitchFamily="34" charset="0"/>
                 <a:cs typeface="Arial" pitchFamily="34" charset="0"/>
               </a:rPr>
-              <a:t>파일을 불러와 </a:t>
-            </a:r>
-            <a:r>
-              <a:rPr lang="ko-KR" altLang="en-US" sz="1400" dirty="0" smtClean="0">
-                <a:gradFill>
-                  <a:gsLst>
-                    <a:gs pos="0">
-                      <a:schemeClr val="tx1">
-                        <a:lumMod val="65000"/>
-                        <a:lumOff val="35000"/>
-                      </a:schemeClr>
-                    </a:gs>
-                    <a:gs pos="100000">
-                      <a:schemeClr val="tx1">
-                        <a:lumMod val="65000"/>
-                        <a:lumOff val="35000"/>
-                      </a:schemeClr>
-                    </a:gs>
-                  </a:gsLst>
-                  <a:lin ang="5400000" scaled="0"/>
-                </a:gradFill>
-                <a:latin typeface="Arial" pitchFamily="34" charset="0"/>
-                <a:cs typeface="Arial" pitchFamily="34" charset="0"/>
-              </a:rPr>
-              <a:t>데이터프레임을 생성한다</a:t>
+              <a:t>파일을 불러와 데이터프레임을 생성한다</a:t>
             </a:r>
             <a:endParaRPr lang="en-US" altLang="ko-KR" sz="1400" dirty="0" smtClean="0">
               <a:gradFill>
@@ -41376,31 +41084,7 @@
                 <a:latin typeface="Arial" pitchFamily="34" charset="0"/>
                 <a:cs typeface="Arial" pitchFamily="34" charset="0"/>
               </a:rPr>
-              <a:t>- </a:t>
-            </a:r>
-            <a:r>
-              <a:rPr lang="en-US" altLang="ko-KR" sz="1200" dirty="0">
-                <a:gradFill>
-                  <a:gsLst>
-                    <a:gs pos="0">
-                      <a:schemeClr val="tx1">
-                        <a:lumMod val="65000"/>
-                        <a:lumOff val="35000"/>
-                      </a:schemeClr>
-                    </a:gs>
-                    <a:gs pos="100000">
-                      <a:schemeClr val="tx1">
-                        <a:lumMod val="65000"/>
-                        <a:lumOff val="35000"/>
-                      </a:schemeClr>
-                    </a:gs>
-                  </a:gsLst>
-                  <a:lin ang="5400000" scaled="0"/>
-                </a:gradFill>
-                <a:latin typeface="Arial" pitchFamily="34" charset="0"/>
-                <a:cs typeface="Arial" pitchFamily="34" charset="0"/>
-              </a:rPr>
-              <a:t>animals_sub.xlsx </a:t>
+              <a:t>- animals_sub.xlsx </a:t>
             </a:r>
             <a:r>
               <a:rPr lang="ko-KR" altLang="en-US" sz="1200" dirty="0" smtClean="0">
